--- a/DsDotNet/src/UnitTest/UnitTest.Model/ImportOfficeExample/demo/ppt/Lib/Conveyor/CVRemove.pptx
+++ b/DsDotNet/src/UnitTest/UnitTest.Model/ImportOfficeExample/demo/ppt/Lib/Conveyor/CVRemove.pptx
@@ -4194,7 +4194,7 @@
           <a:p>
             <a:fld id="{3E1D827B-9946-4E0D-97BA-FFCB17A9AF00}" type="datetimeFigureOut">
               <a:rPr lang="ko-KR" altLang="en-US" smtClean="0"/>
-              <a:t>2023-10-04</a:t>
+              <a:t>2023-11-22</a:t>
             </a:fld>
             <a:endParaRPr lang="ko-KR" altLang="en-US"/>
           </a:p>
@@ -4512,7 +4512,7 @@
           <a:p>
             <a:fld id="{3E1D827B-9946-4E0D-97BA-FFCB17A9AF00}" type="datetimeFigureOut">
               <a:rPr lang="ko-KR" altLang="en-US" smtClean="0"/>
-              <a:t>2023-10-04</a:t>
+              <a:t>2023-11-22</a:t>
             </a:fld>
             <a:endParaRPr lang="ko-KR" altLang="en-US"/>
           </a:p>
@@ -5000,7 +5000,7 @@
           <a:p>
             <a:fld id="{3E1D827B-9946-4E0D-97BA-FFCB17A9AF00}" type="datetimeFigureOut">
               <a:rPr lang="ko-KR" altLang="en-US" smtClean="0"/>
-              <a:t>2023-10-04</a:t>
+              <a:t>2023-11-22</a:t>
             </a:fld>
             <a:endParaRPr lang="ko-KR" altLang="en-US"/>
           </a:p>
@@ -5369,7 +5369,7 @@
           <a:p>
             <a:fld id="{3E1D827B-9946-4E0D-97BA-FFCB17A9AF00}" type="datetimeFigureOut">
               <a:rPr lang="ko-KR" altLang="en-US" smtClean="0"/>
-              <a:t>2023-10-04</a:t>
+              <a:t>2023-11-22</a:t>
             </a:fld>
             <a:endParaRPr lang="ko-KR" altLang="en-US"/>
           </a:p>
@@ -5642,7 +5642,7 @@
           <a:p>
             <a:fld id="{3E1D827B-9946-4E0D-97BA-FFCB17A9AF00}" type="datetimeFigureOut">
               <a:rPr lang="ko-KR" altLang="en-US" smtClean="0"/>
-              <a:t>2023-10-04</a:t>
+              <a:t>2023-11-22</a:t>
             </a:fld>
             <a:endParaRPr lang="ko-KR" altLang="en-US"/>
           </a:p>
@@ -5927,7 +5927,7 @@
           <a:p>
             <a:fld id="{3E1D827B-9946-4E0D-97BA-FFCB17A9AF00}" type="datetimeFigureOut">
               <a:rPr lang="ko-KR" altLang="en-US" smtClean="0"/>
-              <a:t>2023-10-04</a:t>
+              <a:t>2023-11-22</a:t>
             </a:fld>
             <a:endParaRPr lang="ko-KR" altLang="en-US"/>
           </a:p>
@@ -6022,7 +6022,7 @@
           <a:p>
             <a:fld id="{3E1D827B-9946-4E0D-97BA-FFCB17A9AF00}" type="datetimeFigureOut">
               <a:rPr lang="ko-KR" altLang="en-US" smtClean="0"/>
-              <a:t>2023-10-04</a:t>
+              <a:t>2023-11-22</a:t>
             </a:fld>
             <a:endParaRPr lang="ko-KR" altLang="en-US"/>
           </a:p>
@@ -6375,7 +6375,7 @@
           <a:p>
             <a:fld id="{3E1D827B-9946-4E0D-97BA-FFCB17A9AF00}" type="datetimeFigureOut">
               <a:rPr lang="ko-KR" altLang="en-US" smtClean="0"/>
-              <a:t>2023-10-04</a:t>
+              <a:t>2023-11-22</a:t>
             </a:fld>
             <a:endParaRPr lang="ko-KR" altLang="en-US"/>
           </a:p>
@@ -6718,7 +6718,7 @@
           <a:p>
             <a:fld id="{3E1D827B-9946-4E0D-97BA-FFCB17A9AF00}" type="datetimeFigureOut">
               <a:rPr lang="ko-KR" altLang="en-US" smtClean="0"/>
-              <a:t>2023-10-04</a:t>
+              <a:t>2023-11-22</a:t>
             </a:fld>
             <a:endParaRPr lang="ko-KR" altLang="en-US"/>
           </a:p>
@@ -7057,7 +7057,7 @@
           <a:p>
             <a:fld id="{3E1D827B-9946-4E0D-97BA-FFCB17A9AF00}" type="datetimeFigureOut">
               <a:rPr lang="ko-KR" altLang="en-US" smtClean="0"/>
-              <a:t>2023-10-04</a:t>
+              <a:t>2023-11-22</a:t>
             </a:fld>
             <a:endParaRPr lang="ko-KR" altLang="en-US"/>
           </a:p>
@@ -7539,7 +7539,7 @@
           <a:p>
             <a:fld id="{3E1D827B-9946-4E0D-97BA-FFCB17A9AF00}" type="datetimeFigureOut">
               <a:rPr lang="ko-KR" altLang="en-US" smtClean="0"/>
-              <a:t>2023-10-04</a:t>
+              <a:t>2023-11-22</a:t>
             </a:fld>
             <a:endParaRPr lang="ko-KR" altLang="en-US"/>
           </a:p>
@@ -7765,7 +7765,7 @@
           <a:p>
             <a:fld id="{3E1D827B-9946-4E0D-97BA-FFCB17A9AF00}" type="datetimeFigureOut">
               <a:rPr lang="ko-KR" altLang="en-US" smtClean="0"/>
-              <a:t>2023-10-04</a:t>
+              <a:t>2023-11-22</a:t>
             </a:fld>
             <a:endParaRPr lang="ko-KR" altLang="en-US"/>
           </a:p>
@@ -7860,7 +7860,7 @@
           <a:p>
             <a:fld id="{3E1D827B-9946-4E0D-97BA-FFCB17A9AF00}" type="datetimeFigureOut">
               <a:rPr lang="ko-KR" altLang="en-US" smtClean="0"/>
-              <a:t>2023-10-04</a:t>
+              <a:t>2023-11-22</a:t>
             </a:fld>
             <a:endParaRPr lang="ko-KR" altLang="en-US"/>
           </a:p>
@@ -8327,7 +8327,7 @@
           <a:p>
             <a:fld id="{3E1D827B-9946-4E0D-97BA-FFCB17A9AF00}" type="datetimeFigureOut">
               <a:rPr lang="ko-KR" altLang="en-US" smtClean="0"/>
-              <a:t>2023-10-04</a:t>
+              <a:t>2023-11-22</a:t>
             </a:fld>
             <a:endParaRPr lang="ko-KR" altLang="en-US"/>
           </a:p>
@@ -8645,7 +8645,7 @@
           <a:p>
             <a:fld id="{3E1D827B-9946-4E0D-97BA-FFCB17A9AF00}" type="datetimeFigureOut">
               <a:rPr lang="ko-KR" altLang="en-US" smtClean="0"/>
-              <a:t>2023-10-04</a:t>
+              <a:t>2023-11-22</a:t>
             </a:fld>
             <a:endParaRPr lang="ko-KR" altLang="en-US"/>
           </a:p>
@@ -8915,7 +8915,7 @@
           <a:p>
             <a:fld id="{3E1D827B-9946-4E0D-97BA-FFCB17A9AF00}" type="datetimeFigureOut">
               <a:rPr lang="ko-KR" altLang="en-US" smtClean="0"/>
-              <a:t>2023-10-04</a:t>
+              <a:t>2023-11-22</a:t>
             </a:fld>
             <a:endParaRPr lang="ko-KR" altLang="en-US"/>
           </a:p>
@@ -9497,7 +9497,7 @@
         </p:nvSpPr>
         <p:spPr>
           <a:xfrm>
-            <a:off x="253376" y="104588"/>
+            <a:off x="295321" y="3167953"/>
             <a:ext cx="2422712" cy="600087"/>
           </a:xfrm>
           <a:prstGeom prst="homePlate">
@@ -9973,7 +9973,7 @@
         </p:nvSpPr>
         <p:spPr>
           <a:xfrm>
-            <a:off x="253376" y="1539648"/>
+            <a:off x="295321" y="4603013"/>
             <a:ext cx="2422712" cy="600087"/>
           </a:xfrm>
           <a:prstGeom prst="homePlate">
@@ -10016,7 +10016,7 @@
             <a:pPr algn="ctr"/>
             <a:r>
               <a:rPr lang="en-US" altLang="ko-KR" sz="1100" dirty="0"/>
-              <a:t>[REMOVE ~ REMOVE]</a:t>
+              <a:t>[REMOVE ~]</a:t>
             </a:r>
           </a:p>
         </p:txBody>
